--- a/Documentation/User Guide/Quantum  2.0 User Guide_Slide.pptx
+++ b/Documentation/User Guide/Quantum  2.0 User Guide_Slide.pptx
@@ -10629,154 +10629,6 @@
       <dsp:cNvGrpSpPr/>
     </dsp:nvGrpSpPr>
     <dsp:grpSpPr/>
-    <dsp:sp modelId="{46E3B3AD-3856-4726-853C-64BF061C9ABD}">
-      <dsp:nvSpPr>
-        <dsp:cNvPr id="0" name=""/>
-        <dsp:cNvSpPr/>
-      </dsp:nvSpPr>
-      <dsp:spPr>
-        <a:xfrm>
-          <a:off x="0" y="488899"/>
-          <a:ext cx="4038600" cy="1615440"/>
-        </a:xfrm>
-        <a:prstGeom prst="chevron">
-          <a:avLst/>
-        </a:prstGeom>
-        <a:solidFill>
-          <a:schemeClr val="accent2">
-            <a:hueOff val="0"/>
-            <a:satOff val="0"/>
-            <a:lumOff val="0"/>
-            <a:alphaOff val="0"/>
-          </a:schemeClr>
-        </a:solidFill>
-        <a:ln>
-          <a:noFill/>
-        </a:ln>
-        <a:effectLst/>
-        <a:sp3d extrusionH="381000" contourW="38100" prstMaterial="matte">
-          <a:contourClr>
-            <a:schemeClr val="lt1"/>
-          </a:contourClr>
-        </a:sp3d>
-      </dsp:spPr>
-      <dsp:style>
-        <a:lnRef idx="0">
-          <a:scrgbClr r="0" g="0" b="0"/>
-        </a:lnRef>
-        <a:fillRef idx="1">
-          <a:scrgbClr r="0" g="0" b="0"/>
-        </a:fillRef>
-        <a:effectRef idx="0">
-          <a:scrgbClr r="0" g="0" b="0"/>
-        </a:effectRef>
-        <a:fontRef idx="minor">
-          <a:schemeClr val="lt1"/>
-        </a:fontRef>
-      </dsp:style>
-      <dsp:txBody>
-        <a:bodyPr spcFirstLastPara="0" vert="horz" wrap="square" lIns="34290" tIns="17145" rIns="0" bIns="17145" numCol="1" spcCol="1270" anchor="ctr" anchorCtr="0">
-          <a:noAutofit/>
-        </a:bodyPr>
-        <a:lstStyle/>
-        <a:p>
-          <a:pPr lvl="0" algn="ctr" defTabSz="1200150" rtl="0">
-            <a:lnSpc>
-              <a:spcPct val="90000"/>
-            </a:lnSpc>
-            <a:spcBef>
-              <a:spcPct val="0"/>
-            </a:spcBef>
-            <a:spcAft>
-              <a:spcPct val="35000"/>
-            </a:spcAft>
-          </a:pPr>
-          <a:r>
-            <a:rPr lang="en-US" sz="2700" kern="1200" dirty="0" smtClean="0"/>
-            <a:t>Stock Ranking  Result is shown in the right hand.</a:t>
-          </a:r>
-          <a:endParaRPr lang="en-US" sz="2700" kern="1200" dirty="0"/>
-        </a:p>
-      </dsp:txBody>
-      <dsp:txXfrm>
-        <a:off x="0" y="488899"/>
-        <a:ext cx="4038600" cy="1615440"/>
-      </dsp:txXfrm>
-    </dsp:sp>
-    <dsp:sp modelId="{60FBC7BB-8A28-4806-9A5D-2663CAE2DE26}">
-      <dsp:nvSpPr>
-        <dsp:cNvPr id="0" name=""/>
-        <dsp:cNvSpPr/>
-      </dsp:nvSpPr>
-      <dsp:spPr>
-        <a:xfrm>
-          <a:off x="0" y="2330500"/>
-          <a:ext cx="4038600" cy="1615440"/>
-        </a:xfrm>
-        <a:prstGeom prst="chevron">
-          <a:avLst/>
-        </a:prstGeom>
-        <a:solidFill>
-          <a:schemeClr val="accent2">
-            <a:hueOff val="-838123"/>
-            <a:satOff val="-9658"/>
-            <a:lumOff val="2159"/>
-            <a:alphaOff val="0"/>
-          </a:schemeClr>
-        </a:solidFill>
-        <a:ln>
-          <a:noFill/>
-        </a:ln>
-        <a:effectLst/>
-        <a:sp3d extrusionH="381000" contourW="38100" prstMaterial="matte">
-          <a:contourClr>
-            <a:schemeClr val="lt1"/>
-          </a:contourClr>
-        </a:sp3d>
-      </dsp:spPr>
-      <dsp:style>
-        <a:lnRef idx="0">
-          <a:scrgbClr r="0" g="0" b="0"/>
-        </a:lnRef>
-        <a:fillRef idx="1">
-          <a:scrgbClr r="0" g="0" b="0"/>
-        </a:fillRef>
-        <a:effectRef idx="0">
-          <a:scrgbClr r="0" g="0" b="0"/>
-        </a:effectRef>
-        <a:fontRef idx="minor">
-          <a:schemeClr val="lt1"/>
-        </a:fontRef>
-      </dsp:style>
-      <dsp:txBody>
-        <a:bodyPr spcFirstLastPara="0" vert="horz" wrap="square" lIns="34290" tIns="17145" rIns="0" bIns="17145" numCol="1" spcCol="1270" anchor="ctr" anchorCtr="0">
-          <a:noAutofit/>
-        </a:bodyPr>
-        <a:lstStyle/>
-        <a:p>
-          <a:pPr lvl="0" algn="ctr" defTabSz="1200150" rtl="0">
-            <a:lnSpc>
-              <a:spcPct val="90000"/>
-            </a:lnSpc>
-            <a:spcBef>
-              <a:spcPct val="0"/>
-            </a:spcBef>
-            <a:spcAft>
-              <a:spcPct val="35000"/>
-            </a:spcAft>
-          </a:pPr>
-          <a:r>
-            <a:rPr lang="en-US" sz="2700" kern="1200" dirty="0" smtClean="0"/>
-            <a:t>The value shows the weighted point for the ranking </a:t>
-          </a:r>
-          <a:endParaRPr lang="en-US" sz="2700" kern="1200" dirty="0"/>
-        </a:p>
-      </dsp:txBody>
-      <dsp:txXfrm>
-        <a:off x="0" y="2330500"/>
-        <a:ext cx="4038600" cy="1615440"/>
-      </dsp:txXfrm>
-    </dsp:sp>
   </dsp:spTree>
 </dsp:drawing>
 </file>
@@ -12319,228 +12171,6 @@
       <dsp:cNvGrpSpPr/>
     </dsp:nvGrpSpPr>
     <dsp:grpSpPr/>
-    <dsp:sp modelId="{46E3B3AD-3856-4726-853C-64BF061C9ABD}">
-      <dsp:nvSpPr>
-        <dsp:cNvPr id="0" name=""/>
-        <dsp:cNvSpPr/>
-      </dsp:nvSpPr>
-      <dsp:spPr>
-        <a:xfrm rot="10800000">
-          <a:off x="329319" y="165"/>
-          <a:ext cx="3379961" cy="1351984"/>
-        </a:xfrm>
-        <a:prstGeom prst="chevron">
-          <a:avLst/>
-        </a:prstGeom>
-        <a:solidFill>
-          <a:schemeClr val="dk2">
-            <a:hueOff val="0"/>
-            <a:satOff val="0"/>
-            <a:lumOff val="0"/>
-            <a:alphaOff val="0"/>
-          </a:schemeClr>
-        </a:solidFill>
-        <a:ln>
-          <a:noFill/>
-        </a:ln>
-        <a:effectLst/>
-        <a:sp3d extrusionH="381000" contourW="38100" prstMaterial="matte">
-          <a:contourClr>
-            <a:schemeClr val="lt1"/>
-          </a:contourClr>
-        </a:sp3d>
-      </dsp:spPr>
-      <dsp:style>
-        <a:lnRef idx="0">
-          <a:scrgbClr r="0" g="0" b="0"/>
-        </a:lnRef>
-        <a:fillRef idx="1">
-          <a:scrgbClr r="0" g="0" b="0"/>
-        </a:fillRef>
-        <a:effectRef idx="0">
-          <a:scrgbClr r="0" g="0" b="0"/>
-        </a:effectRef>
-        <a:fontRef idx="minor">
-          <a:schemeClr val="lt1"/>
-        </a:fontRef>
-      </dsp:style>
-      <dsp:txBody>
-        <a:bodyPr spcFirstLastPara="0" vert="horz" wrap="square" lIns="0" tIns="12065" rIns="24130" bIns="12065" numCol="1" spcCol="1270" anchor="ctr" anchorCtr="0">
-          <a:noAutofit/>
-        </a:bodyPr>
-        <a:lstStyle/>
-        <a:p>
-          <a:pPr lvl="0" algn="ctr" defTabSz="844550" rtl="0">
-            <a:lnSpc>
-              <a:spcPct val="90000"/>
-            </a:lnSpc>
-            <a:spcBef>
-              <a:spcPct val="0"/>
-            </a:spcBef>
-            <a:spcAft>
-              <a:spcPct val="35000"/>
-            </a:spcAft>
-          </a:pPr>
-          <a:r>
-            <a:rPr lang="en-US" sz="1900" kern="1200" dirty="0" smtClean="0"/>
-            <a:t>Strategy Ranking helps investors find the best strategies for a stock</a:t>
-          </a:r>
-          <a:endParaRPr lang="en-US" sz="1900" kern="1200" dirty="0"/>
-        </a:p>
-      </dsp:txBody>
-      <dsp:txXfrm rot="10800000">
-        <a:off x="329319" y="165"/>
-        <a:ext cx="3379961" cy="1351984"/>
-      </dsp:txXfrm>
-    </dsp:sp>
-    <dsp:sp modelId="{7A4C0704-22C2-46EE-B473-37A352D30E03}">
-      <dsp:nvSpPr>
-        <dsp:cNvPr id="0" name=""/>
-        <dsp:cNvSpPr/>
-      </dsp:nvSpPr>
-      <dsp:spPr>
-        <a:xfrm rot="10800000">
-          <a:off x="329319" y="1541427"/>
-          <a:ext cx="3379961" cy="1351984"/>
-        </a:xfrm>
-        <a:prstGeom prst="chevron">
-          <a:avLst/>
-        </a:prstGeom>
-        <a:solidFill>
-          <a:schemeClr val="dk2">
-            <a:hueOff val="0"/>
-            <a:satOff val="0"/>
-            <a:lumOff val="0"/>
-            <a:alphaOff val="0"/>
-          </a:schemeClr>
-        </a:solidFill>
-        <a:ln>
-          <a:noFill/>
-        </a:ln>
-        <a:effectLst/>
-        <a:sp3d extrusionH="381000" contourW="38100" prstMaterial="matte">
-          <a:contourClr>
-            <a:schemeClr val="lt1"/>
-          </a:contourClr>
-        </a:sp3d>
-      </dsp:spPr>
-      <dsp:style>
-        <a:lnRef idx="0">
-          <a:scrgbClr r="0" g="0" b="0"/>
-        </a:lnRef>
-        <a:fillRef idx="1">
-          <a:scrgbClr r="0" g="0" b="0"/>
-        </a:fillRef>
-        <a:effectRef idx="0">
-          <a:scrgbClr r="0" g="0" b="0"/>
-        </a:effectRef>
-        <a:fontRef idx="minor">
-          <a:schemeClr val="lt1"/>
-        </a:fontRef>
-      </dsp:style>
-      <dsp:txBody>
-        <a:bodyPr spcFirstLastPara="0" vert="horz" wrap="square" lIns="0" tIns="12065" rIns="24130" bIns="12065" numCol="1" spcCol="1270" anchor="ctr" anchorCtr="0">
-          <a:noAutofit/>
-        </a:bodyPr>
-        <a:lstStyle/>
-        <a:p>
-          <a:pPr lvl="0" algn="ctr" defTabSz="844550" rtl="0">
-            <a:lnSpc>
-              <a:spcPct val="90000"/>
-            </a:lnSpc>
-            <a:spcBef>
-              <a:spcPct val="0"/>
-            </a:spcBef>
-            <a:spcAft>
-              <a:spcPct val="35000"/>
-            </a:spcAft>
-          </a:pPr>
-          <a:r>
-            <a:rPr lang="en-US" sz="1900" kern="1200" dirty="0" smtClean="0"/>
-            <a:t>Many time-frame can be chosen to do the ranking</a:t>
-          </a:r>
-          <a:endParaRPr lang="en-US" sz="1900" kern="1200" dirty="0"/>
-        </a:p>
-      </dsp:txBody>
-      <dsp:txXfrm rot="10800000">
-        <a:off x="329319" y="1541427"/>
-        <a:ext cx="3379961" cy="1351984"/>
-      </dsp:txXfrm>
-    </dsp:sp>
-    <dsp:sp modelId="{727447CA-603D-4DE7-86F6-6DA26D974FDC}">
-      <dsp:nvSpPr>
-        <dsp:cNvPr id="0" name=""/>
-        <dsp:cNvSpPr/>
-      </dsp:nvSpPr>
-      <dsp:spPr>
-        <a:xfrm rot="10800000">
-          <a:off x="329319" y="3082690"/>
-          <a:ext cx="3379961" cy="1351984"/>
-        </a:xfrm>
-        <a:prstGeom prst="chevron">
-          <a:avLst/>
-        </a:prstGeom>
-        <a:solidFill>
-          <a:schemeClr val="dk2">
-            <a:hueOff val="0"/>
-            <a:satOff val="0"/>
-            <a:lumOff val="0"/>
-            <a:alphaOff val="0"/>
-          </a:schemeClr>
-        </a:solidFill>
-        <a:ln>
-          <a:noFill/>
-        </a:ln>
-        <a:effectLst/>
-        <a:sp3d extrusionH="381000" contourW="38100" prstMaterial="matte">
-          <a:contourClr>
-            <a:schemeClr val="lt1"/>
-          </a:contourClr>
-        </a:sp3d>
-      </dsp:spPr>
-      <dsp:style>
-        <a:lnRef idx="0">
-          <a:scrgbClr r="0" g="0" b="0"/>
-        </a:lnRef>
-        <a:fillRef idx="1">
-          <a:scrgbClr r="0" g="0" b="0"/>
-        </a:fillRef>
-        <a:effectRef idx="0">
-          <a:scrgbClr r="0" g="0" b="0"/>
-        </a:effectRef>
-        <a:fontRef idx="minor">
-          <a:schemeClr val="lt1"/>
-        </a:fontRef>
-      </dsp:style>
-      <dsp:txBody>
-        <a:bodyPr spcFirstLastPara="0" vert="horz" wrap="square" lIns="0" tIns="12065" rIns="24130" bIns="12065" numCol="1" spcCol="1270" anchor="ctr" anchorCtr="0">
-          <a:noAutofit/>
-        </a:bodyPr>
-        <a:lstStyle/>
-        <a:p>
-          <a:pPr lvl="0" algn="ctr" defTabSz="844550" rtl="0">
-            <a:lnSpc>
-              <a:spcPct val="90000"/>
-            </a:lnSpc>
-            <a:spcBef>
-              <a:spcPct val="0"/>
-            </a:spcBef>
-            <a:spcAft>
-              <a:spcPct val="35000"/>
-            </a:spcAft>
-          </a:pPr>
-          <a:r>
-            <a:rPr lang="en-US" sz="1900" kern="1200" dirty="0" smtClean="0"/>
-            <a:t>Investors can compare performance between different automatic strategy</a:t>
-          </a:r>
-          <a:endParaRPr lang="en-US" sz="1900" kern="1200" dirty="0"/>
-        </a:p>
-      </dsp:txBody>
-      <dsp:txXfrm rot="10800000">
-        <a:off x="329319" y="3082690"/>
-        <a:ext cx="3379961" cy="1351984"/>
-      </dsp:txXfrm>
-    </dsp:sp>
   </dsp:spTree>
 </dsp:drawing>
 </file>
@@ -12553,154 +12183,6 @@
       <dsp:cNvGrpSpPr/>
     </dsp:nvGrpSpPr>
     <dsp:grpSpPr/>
-    <dsp:sp modelId="{46E3B3AD-3856-4726-853C-64BF061C9ABD}">
-      <dsp:nvSpPr>
-        <dsp:cNvPr id="0" name=""/>
-        <dsp:cNvSpPr/>
-      </dsp:nvSpPr>
-      <dsp:spPr>
-        <a:xfrm>
-          <a:off x="0" y="488899"/>
-          <a:ext cx="4038600" cy="1615440"/>
-        </a:xfrm>
-        <a:prstGeom prst="chevron">
-          <a:avLst/>
-        </a:prstGeom>
-        <a:solidFill>
-          <a:schemeClr val="accent2">
-            <a:hueOff val="0"/>
-            <a:satOff val="0"/>
-            <a:lumOff val="0"/>
-            <a:alphaOff val="0"/>
-          </a:schemeClr>
-        </a:solidFill>
-        <a:ln>
-          <a:noFill/>
-        </a:ln>
-        <a:effectLst/>
-        <a:sp3d extrusionH="381000" contourW="38100" prstMaterial="matte">
-          <a:contourClr>
-            <a:schemeClr val="lt1"/>
-          </a:contourClr>
-        </a:sp3d>
-      </dsp:spPr>
-      <dsp:style>
-        <a:lnRef idx="0">
-          <a:scrgbClr r="0" g="0" b="0"/>
-        </a:lnRef>
-        <a:fillRef idx="1">
-          <a:scrgbClr r="0" g="0" b="0"/>
-        </a:fillRef>
-        <a:effectRef idx="0">
-          <a:scrgbClr r="0" g="0" b="0"/>
-        </a:effectRef>
-        <a:fontRef idx="minor">
-          <a:schemeClr val="lt1"/>
-        </a:fontRef>
-      </dsp:style>
-      <dsp:txBody>
-        <a:bodyPr spcFirstLastPara="0" vert="horz" wrap="square" lIns="27940" tIns="13970" rIns="0" bIns="13970" numCol="1" spcCol="1270" anchor="ctr" anchorCtr="0">
-          <a:noAutofit/>
-        </a:bodyPr>
-        <a:lstStyle/>
-        <a:p>
-          <a:pPr lvl="0" algn="ctr" defTabSz="977900" rtl="0">
-            <a:lnSpc>
-              <a:spcPct val="90000"/>
-            </a:lnSpc>
-            <a:spcBef>
-              <a:spcPct val="0"/>
-            </a:spcBef>
-            <a:spcAft>
-              <a:spcPct val="35000"/>
-            </a:spcAft>
-          </a:pPr>
-          <a:r>
-            <a:rPr lang="en-US" sz="2200" kern="1200" dirty="0" smtClean="0"/>
-            <a:t>Strategy Ranking allows investors to sort the best strategy for a stock in  a specific period</a:t>
-          </a:r>
-          <a:endParaRPr lang="en-US" sz="2200" kern="1200" dirty="0"/>
-        </a:p>
-      </dsp:txBody>
-      <dsp:txXfrm>
-        <a:off x="0" y="488899"/>
-        <a:ext cx="4038600" cy="1615440"/>
-      </dsp:txXfrm>
-    </dsp:sp>
-    <dsp:sp modelId="{60FBC7BB-8A28-4806-9A5D-2663CAE2DE26}">
-      <dsp:nvSpPr>
-        <dsp:cNvPr id="0" name=""/>
-        <dsp:cNvSpPr/>
-      </dsp:nvSpPr>
-      <dsp:spPr>
-        <a:xfrm>
-          <a:off x="0" y="2330500"/>
-          <a:ext cx="4038600" cy="1615440"/>
-        </a:xfrm>
-        <a:prstGeom prst="chevron">
-          <a:avLst/>
-        </a:prstGeom>
-        <a:solidFill>
-          <a:schemeClr val="accent2">
-            <a:hueOff val="-838123"/>
-            <a:satOff val="-9658"/>
-            <a:lumOff val="2159"/>
-            <a:alphaOff val="0"/>
-          </a:schemeClr>
-        </a:solidFill>
-        <a:ln>
-          <a:noFill/>
-        </a:ln>
-        <a:effectLst/>
-        <a:sp3d extrusionH="381000" contourW="38100" prstMaterial="matte">
-          <a:contourClr>
-            <a:schemeClr val="lt1"/>
-          </a:contourClr>
-        </a:sp3d>
-      </dsp:spPr>
-      <dsp:style>
-        <a:lnRef idx="0">
-          <a:scrgbClr r="0" g="0" b="0"/>
-        </a:lnRef>
-        <a:fillRef idx="1">
-          <a:scrgbClr r="0" g="0" b="0"/>
-        </a:fillRef>
-        <a:effectRef idx="0">
-          <a:scrgbClr r="0" g="0" b="0"/>
-        </a:effectRef>
-        <a:fontRef idx="minor">
-          <a:schemeClr val="lt1"/>
-        </a:fontRef>
-      </dsp:style>
-      <dsp:txBody>
-        <a:bodyPr spcFirstLastPara="0" vert="horz" wrap="square" lIns="27940" tIns="13970" rIns="0" bIns="13970" numCol="1" spcCol="1270" anchor="ctr" anchorCtr="0">
-          <a:noAutofit/>
-        </a:bodyPr>
-        <a:lstStyle/>
-        <a:p>
-          <a:pPr lvl="0" algn="ctr" defTabSz="977900" rtl="0">
-            <a:lnSpc>
-              <a:spcPct val="90000"/>
-            </a:lnSpc>
-            <a:spcBef>
-              <a:spcPct val="0"/>
-            </a:spcBef>
-            <a:spcAft>
-              <a:spcPct val="35000"/>
-            </a:spcAft>
-          </a:pPr>
-          <a:r>
-            <a:rPr lang="en-US" sz="2200" kern="1200" dirty="0" smtClean="0"/>
-            <a:t>The value shows the profit/loss (in VND)  for the investment of VND 10mil by default</a:t>
-          </a:r>
-          <a:endParaRPr lang="en-US" sz="2200" kern="1200" dirty="0"/>
-        </a:p>
-      </dsp:txBody>
-      <dsp:txXfrm>
-        <a:off x="0" y="2330500"/>
-        <a:ext cx="4038600" cy="1615440"/>
-      </dsp:txXfrm>
-    </dsp:sp>
   </dsp:spTree>
 </dsp:drawing>
 </file>
@@ -12713,236 +12195,6 @@
       <dsp:cNvGrpSpPr/>
     </dsp:nvGrpSpPr>
     <dsp:grpSpPr/>
-    <dsp:sp modelId="{46E3B3AD-3856-4726-853C-64BF061C9ABD}">
-      <dsp:nvSpPr>
-        <dsp:cNvPr id="0" name=""/>
-        <dsp:cNvSpPr/>
-      </dsp:nvSpPr>
-      <dsp:spPr>
-        <a:xfrm rot="10800000">
-          <a:off x="329319" y="165"/>
-          <a:ext cx="3379961" cy="1351984"/>
-        </a:xfrm>
-        <a:prstGeom prst="chevron">
-          <a:avLst/>
-        </a:prstGeom>
-        <a:solidFill>
-          <a:schemeClr val="accent2">
-            <a:hueOff val="0"/>
-            <a:satOff val="0"/>
-            <a:lumOff val="0"/>
-            <a:alphaOff val="0"/>
-          </a:schemeClr>
-        </a:solidFill>
-        <a:ln>
-          <a:noFill/>
-        </a:ln>
-        <a:effectLst/>
-        <a:sp3d extrusionH="381000" contourW="38100" prstMaterial="matte">
-          <a:contourClr>
-            <a:schemeClr val="lt1"/>
-          </a:contourClr>
-        </a:sp3d>
-      </dsp:spPr>
-      <dsp:style>
-        <a:lnRef idx="0">
-          <a:scrgbClr r="0" g="0" b="0"/>
-        </a:lnRef>
-        <a:fillRef idx="1">
-          <a:scrgbClr r="0" g="0" b="0"/>
-        </a:fillRef>
-        <a:effectRef idx="0">
-          <a:scrgbClr r="0" g="0" b="0"/>
-        </a:effectRef>
-        <a:fontRef idx="minor">
-          <a:schemeClr val="lt1"/>
-        </a:fontRef>
-      </dsp:style>
-      <dsp:txBody>
-        <a:bodyPr spcFirstLastPara="0" vert="horz" wrap="square" lIns="0" tIns="10160" rIns="20320" bIns="10160" numCol="1" spcCol="1270" anchor="ctr" anchorCtr="0">
-          <a:noAutofit/>
-        </a:bodyPr>
-        <a:lstStyle/>
-        <a:p>
-          <a:pPr lvl="0" algn="ctr" defTabSz="711200" rtl="0">
-            <a:lnSpc>
-              <a:spcPct val="90000"/>
-            </a:lnSpc>
-            <a:spcBef>
-              <a:spcPct val="0"/>
-            </a:spcBef>
-            <a:spcAft>
-              <a:spcPct val="35000"/>
-            </a:spcAft>
-          </a:pPr>
-          <a:r>
-            <a:rPr lang="en-US" sz="1600" kern="1200" dirty="0" smtClean="0">
-              <a:solidFill>
-                <a:schemeClr val="bg1"/>
-              </a:solidFill>
-            </a:rPr>
-            <a:t>Stock Ranking  is the process of selecting stocks by defined criteria.	</a:t>
-          </a:r>
-          <a:endParaRPr lang="en-US" sz="1600" kern="1200" dirty="0">
-            <a:solidFill>
-              <a:schemeClr val="bg1"/>
-            </a:solidFill>
-          </a:endParaRPr>
-        </a:p>
-      </dsp:txBody>
-      <dsp:txXfrm rot="10800000">
-        <a:off x="329319" y="165"/>
-        <a:ext cx="3379961" cy="1351984"/>
-      </dsp:txXfrm>
-    </dsp:sp>
-    <dsp:sp modelId="{7A4C0704-22C2-46EE-B473-37A352D30E03}">
-      <dsp:nvSpPr>
-        <dsp:cNvPr id="0" name=""/>
-        <dsp:cNvSpPr/>
-      </dsp:nvSpPr>
-      <dsp:spPr>
-        <a:xfrm rot="10800000">
-          <a:off x="329319" y="1541427"/>
-          <a:ext cx="3379961" cy="1351984"/>
-        </a:xfrm>
-        <a:prstGeom prst="chevron">
-          <a:avLst/>
-        </a:prstGeom>
-        <a:solidFill>
-          <a:schemeClr val="accent2">
-            <a:hueOff val="-419062"/>
-            <a:satOff val="-4829"/>
-            <a:lumOff val="1079"/>
-            <a:alphaOff val="0"/>
-          </a:schemeClr>
-        </a:solidFill>
-        <a:ln>
-          <a:noFill/>
-        </a:ln>
-        <a:effectLst/>
-        <a:sp3d extrusionH="381000" contourW="38100" prstMaterial="matte">
-          <a:contourClr>
-            <a:schemeClr val="lt1"/>
-          </a:contourClr>
-        </a:sp3d>
-      </dsp:spPr>
-      <dsp:style>
-        <a:lnRef idx="0">
-          <a:scrgbClr r="0" g="0" b="0"/>
-        </a:lnRef>
-        <a:fillRef idx="1">
-          <a:scrgbClr r="0" g="0" b="0"/>
-        </a:fillRef>
-        <a:effectRef idx="0">
-          <a:scrgbClr r="0" g="0" b="0"/>
-        </a:effectRef>
-        <a:fontRef idx="minor">
-          <a:schemeClr val="lt1"/>
-        </a:fontRef>
-      </dsp:style>
-      <dsp:txBody>
-        <a:bodyPr spcFirstLastPara="0" vert="horz" wrap="square" lIns="0" tIns="10160" rIns="20320" bIns="10160" numCol="1" spcCol="1270" anchor="ctr" anchorCtr="0">
-          <a:noAutofit/>
-        </a:bodyPr>
-        <a:lstStyle/>
-        <a:p>
-          <a:pPr lvl="0" algn="ctr" defTabSz="711200" rtl="0">
-            <a:lnSpc>
-              <a:spcPct val="90000"/>
-            </a:lnSpc>
-            <a:spcBef>
-              <a:spcPct val="0"/>
-            </a:spcBef>
-            <a:spcAft>
-              <a:spcPct val="35000"/>
-            </a:spcAft>
-          </a:pPr>
-          <a:r>
-            <a:rPr lang="en-US" sz="1600" kern="1200" dirty="0" smtClean="0"/>
-            <a:t>Many stock ranking algorithm can be chosen</a:t>
-          </a:r>
-          <a:endParaRPr lang="en-US" sz="1600" kern="1200" dirty="0"/>
-        </a:p>
-      </dsp:txBody>
-      <dsp:txXfrm rot="10800000">
-        <a:off x="329319" y="1541427"/>
-        <a:ext cx="3379961" cy="1351984"/>
-      </dsp:txXfrm>
-    </dsp:sp>
-    <dsp:sp modelId="{727447CA-603D-4DE7-86F6-6DA26D974FDC}">
-      <dsp:nvSpPr>
-        <dsp:cNvPr id="0" name=""/>
-        <dsp:cNvSpPr/>
-      </dsp:nvSpPr>
-      <dsp:spPr>
-        <a:xfrm rot="10800000">
-          <a:off x="329319" y="3082690"/>
-          <a:ext cx="3379961" cy="1351984"/>
-        </a:xfrm>
-        <a:prstGeom prst="chevron">
-          <a:avLst/>
-        </a:prstGeom>
-        <a:solidFill>
-          <a:schemeClr val="accent2">
-            <a:hueOff val="-838123"/>
-            <a:satOff val="-9658"/>
-            <a:lumOff val="2159"/>
-            <a:alphaOff val="0"/>
-          </a:schemeClr>
-        </a:solidFill>
-        <a:ln>
-          <a:noFill/>
-        </a:ln>
-        <a:effectLst/>
-        <a:sp3d extrusionH="381000" contourW="38100" prstMaterial="matte">
-          <a:contourClr>
-            <a:schemeClr val="lt1"/>
-          </a:contourClr>
-        </a:sp3d>
-      </dsp:spPr>
-      <dsp:style>
-        <a:lnRef idx="0">
-          <a:scrgbClr r="0" g="0" b="0"/>
-        </a:lnRef>
-        <a:fillRef idx="1">
-          <a:scrgbClr r="0" g="0" b="0"/>
-        </a:fillRef>
-        <a:effectRef idx="0">
-          <a:scrgbClr r="0" g="0" b="0"/>
-        </a:effectRef>
-        <a:fontRef idx="minor">
-          <a:schemeClr val="lt1"/>
-        </a:fontRef>
-      </dsp:style>
-      <dsp:txBody>
-        <a:bodyPr spcFirstLastPara="0" vert="horz" wrap="square" lIns="0" tIns="10160" rIns="20320" bIns="10160" numCol="1" spcCol="1270" anchor="ctr" anchorCtr="0">
-          <a:noAutofit/>
-        </a:bodyPr>
-        <a:lstStyle/>
-        <a:p>
-          <a:pPr lvl="0" algn="ctr" defTabSz="711200" rtl="0">
-            <a:lnSpc>
-              <a:spcPct val="90000"/>
-            </a:lnSpc>
-            <a:spcBef>
-              <a:spcPct val="0"/>
-            </a:spcBef>
-            <a:spcAft>
-              <a:spcPct val="35000"/>
-            </a:spcAft>
-          </a:pPr>
-          <a:r>
-            <a:rPr lang="en-US" sz="1600" kern="1200" dirty="0" smtClean="0"/>
-            <a:t>Stock Ranking is used by Portfolio Manager to find good stocks in order to outperform the market</a:t>
-          </a:r>
-          <a:endParaRPr lang="en-US" sz="1600" kern="1200" dirty="0"/>
-        </a:p>
-      </dsp:txBody>
-      <dsp:txXfrm rot="10800000">
-        <a:off x="329319" y="3082690"/>
-        <a:ext cx="3379961" cy="1351984"/>
-      </dsp:txXfrm>
-    </dsp:sp>
   </dsp:spTree>
 </dsp:drawing>
 </file>
@@ -27272,7 +26524,7 @@
             <a:fld id="{A75F75E6-2E6C-4CCA-B375-40FCA5D49E38}" type="datetimeFigureOut">
               <a:rPr lang="en-US" smtClean="0"/>
               <a:pPr/>
-              <a:t>4/7/2012</a:t>
+              <a:t>9/16/2012</a:t>
             </a:fld>
             <a:endParaRPr lang="en-US"/>
           </a:p>
@@ -27439,7 +26691,7 @@
             <a:fld id="{A75F75E6-2E6C-4CCA-B375-40FCA5D49E38}" type="datetimeFigureOut">
               <a:rPr lang="en-US" smtClean="0"/>
               <a:pPr/>
-              <a:t>4/7/2012</a:t>
+              <a:t>9/16/2012</a:t>
             </a:fld>
             <a:endParaRPr lang="en-US"/>
           </a:p>
@@ -27616,7 +26868,7 @@
             <a:fld id="{A75F75E6-2E6C-4CCA-B375-40FCA5D49E38}" type="datetimeFigureOut">
               <a:rPr lang="en-US" smtClean="0"/>
               <a:pPr/>
-              <a:t>4/7/2012</a:t>
+              <a:t>9/16/2012</a:t>
             </a:fld>
             <a:endParaRPr lang="en-US"/>
           </a:p>
@@ -27783,7 +27035,7 @@
             <a:fld id="{A75F75E6-2E6C-4CCA-B375-40FCA5D49E38}" type="datetimeFigureOut">
               <a:rPr lang="en-US" smtClean="0"/>
               <a:pPr/>
-              <a:t>4/7/2012</a:t>
+              <a:t>9/16/2012</a:t>
             </a:fld>
             <a:endParaRPr lang="en-US"/>
           </a:p>
@@ -28022,7 +27274,7 @@
             <a:fld id="{A75F75E6-2E6C-4CCA-B375-40FCA5D49E38}" type="datetimeFigureOut">
               <a:rPr lang="en-US" smtClean="0"/>
               <a:pPr/>
-              <a:t>4/7/2012</a:t>
+              <a:t>9/16/2012</a:t>
             </a:fld>
             <a:endParaRPr lang="en-US"/>
           </a:p>
@@ -28288,7 +27540,7 @@
             <a:fld id="{A75F75E6-2E6C-4CCA-B375-40FCA5D49E38}" type="datetimeFigureOut">
               <a:rPr lang="en-US" smtClean="0"/>
               <a:pPr/>
-              <a:t>4/7/2012</a:t>
+              <a:t>9/16/2012</a:t>
             </a:fld>
             <a:endParaRPr lang="en-US"/>
           </a:p>
@@ -28668,7 +27920,7 @@
             <a:fld id="{A75F75E6-2E6C-4CCA-B375-40FCA5D49E38}" type="datetimeFigureOut">
               <a:rPr lang="en-US" smtClean="0"/>
               <a:pPr/>
-              <a:t>4/7/2012</a:t>
+              <a:t>9/16/2012</a:t>
             </a:fld>
             <a:endParaRPr lang="en-US"/>
           </a:p>
@@ -28820,7 +28072,7 @@
             <a:fld id="{A75F75E6-2E6C-4CCA-B375-40FCA5D49E38}" type="datetimeFigureOut">
               <a:rPr lang="en-US" smtClean="0"/>
               <a:pPr/>
-              <a:t>4/7/2012</a:t>
+              <a:t>9/16/2012</a:t>
             </a:fld>
             <a:endParaRPr lang="en-US"/>
           </a:p>
@@ -28912,7 +28164,7 @@
             <a:fld id="{A75F75E6-2E6C-4CCA-B375-40FCA5D49E38}" type="datetimeFigureOut">
               <a:rPr lang="en-US" smtClean="0"/>
               <a:pPr/>
-              <a:t>4/7/2012</a:t>
+              <a:t>9/16/2012</a:t>
             </a:fld>
             <a:endParaRPr lang="en-US"/>
           </a:p>
@@ -29175,7 +28427,7 @@
             <a:fld id="{A75F75E6-2E6C-4CCA-B375-40FCA5D49E38}" type="datetimeFigureOut">
               <a:rPr lang="en-US" smtClean="0"/>
               <a:pPr/>
-              <a:t>4/7/2012</a:t>
+              <a:t>9/16/2012</a:t>
             </a:fld>
             <a:endParaRPr lang="en-US"/>
           </a:p>
@@ -29465,7 +28717,7 @@
             <a:fld id="{A75F75E6-2E6C-4CCA-B375-40FCA5D49E38}" type="datetimeFigureOut">
               <a:rPr lang="en-US" smtClean="0"/>
               <a:pPr/>
-              <a:t>4/7/2012</a:t>
+              <a:t>9/16/2012</a:t>
             </a:fld>
             <a:endParaRPr lang="en-US"/>
           </a:p>
@@ -30238,7 +29490,7 @@
             <a:fld id="{A75F75E6-2E6C-4CCA-B375-40FCA5D49E38}" type="datetimeFigureOut">
               <a:rPr lang="en-US" smtClean="0"/>
               <a:pPr/>
-              <a:t>4/7/2012</a:t>
+              <a:t>9/16/2012</a:t>
             </a:fld>
             <a:endParaRPr lang="en-US"/>
           </a:p>
@@ -30936,38 +30188,9 @@
         </p:spPr>
         <p:txBody>
           <a:bodyPr>
-            <a:normAutofit fontScale="92500" lnSpcReduction="10000"/>
+            <a:normAutofit/>
           </a:bodyPr>
           <a:lstStyle/>
-          <a:p>
-            <a:r>
-              <a:rPr lang="en-US" dirty="0" smtClean="0">
-                <a:solidFill>
-                  <a:schemeClr val="accent1">
-                    <a:lumMod val="75000"/>
-                  </a:schemeClr>
-                </a:solidFill>
-              </a:rPr>
-              <a:t>Quan Nguyen, </a:t>
-            </a:r>
-            <a:r>
-              <a:rPr lang="en-US" dirty="0" err="1" smtClean="0">
-                <a:solidFill>
-                  <a:schemeClr val="accent1">
-                    <a:lumMod val="75000"/>
-                  </a:schemeClr>
-                </a:solidFill>
-              </a:rPr>
-              <a:t>Ph.D</a:t>
-            </a:r>
-            <a:endParaRPr lang="en-US" dirty="0" smtClean="0">
-              <a:solidFill>
-                <a:schemeClr val="accent1">
-                  <a:lumMod val="75000"/>
-                </a:schemeClr>
-              </a:solidFill>
-            </a:endParaRPr>
-          </a:p>
           <a:p>
             <a:r>
               <a:rPr lang="en-US" sz="1900" dirty="0" smtClean="0">
@@ -30977,10 +30200,8 @@
                   </a:schemeClr>
                 </a:solidFill>
               </a:rPr>
-              <a:t>Chief Executive Officer</a:t>
+              <a:t>HQ </a:t>
             </a:r>
-          </a:p>
-          <a:p>
             <a:r>
               <a:rPr lang="en-US" sz="1900" dirty="0" smtClean="0">
                 <a:solidFill>
@@ -30989,45 +30210,29 @@
                   </a:schemeClr>
                 </a:solidFill>
               </a:rPr>
-              <a:t>HQ Investment &amp; Consulting Corporation</a:t>
+              <a:t>Investment &amp; </a:t>
             </a:r>
-          </a:p>
-          <a:p>
             <a:r>
-              <a:rPr lang="en-US" sz="2000" dirty="0" smtClean="0">
+              <a:rPr lang="en-US" sz="1900" smtClean="0">
                 <a:solidFill>
                   <a:schemeClr val="accent1">
                     <a:lumMod val="75000"/>
                   </a:schemeClr>
                 </a:solidFill>
               </a:rPr>
-              <a:t>and</a:t>
+              <a:t>Consulting </a:t>
             </a:r>
-          </a:p>
-          <a:p>
             <a:r>
-              <a:rPr lang="en-US" sz="2000" dirty="0" smtClean="0">
+              <a:rPr lang="en-US" sz="1900" smtClean="0">
                 <a:solidFill>
                   <a:schemeClr val="accent1">
                     <a:lumMod val="75000"/>
                   </a:schemeClr>
                 </a:solidFill>
               </a:rPr>
-              <a:t>Professor at Computer Sciences Department, </a:t>
+              <a:t>Corporation</a:t>
             </a:r>
-          </a:p>
-          <a:p>
-            <a:r>
-              <a:rPr lang="en-US" sz="2000" dirty="0" smtClean="0">
-                <a:solidFill>
-                  <a:schemeClr val="accent1">
-                    <a:lumMod val="75000"/>
-                  </a:schemeClr>
-                </a:solidFill>
-              </a:rPr>
-              <a:t>University of Sciences, HCM city, Vietnam</a:t>
-            </a:r>
-            <a:endParaRPr lang="en-US" sz="2000" dirty="0">
+            <a:endParaRPr lang="en-US" sz="1900" dirty="0" smtClean="0">
               <a:solidFill>
                 <a:schemeClr val="accent1">
                   <a:lumMod val="75000"/>
@@ -31938,7 +31143,7 @@
             <a:fld id="{F4091C07-526F-49DB-B6D1-B3DF520D9ADF}" type="datetime1">
               <a:rPr lang="en-US" smtClean="0"/>
               <a:pPr/>
-              <a:t>4/7/2012</a:t>
+              <a:t>9/16/2012</a:t>
             </a:fld>
             <a:endParaRPr lang="en-US"/>
           </a:p>
@@ -33067,7 +32272,7 @@
             <a:fld id="{F4091C07-526F-49DB-B6D1-B3DF520D9ADF}" type="datetime1">
               <a:rPr lang="en-US" smtClean="0"/>
               <a:pPr/>
-              <a:t>4/7/2012</a:t>
+              <a:t>9/16/2012</a:t>
             </a:fld>
             <a:endParaRPr lang="en-US"/>
           </a:p>
@@ -33244,7 +32449,7 @@
             <a:fld id="{F4091C07-526F-49DB-B6D1-B3DF520D9ADF}" type="datetime1">
               <a:rPr lang="en-US" smtClean="0"/>
               <a:pPr/>
-              <a:t>4/7/2012</a:t>
+              <a:t>9/16/2012</a:t>
             </a:fld>
             <a:endParaRPr lang="en-US"/>
           </a:p>
